--- a/PRD-2017-G24/STW/受控文件/分析设计/需求工程计划-初步/需求工程计划.pptx
+++ b/PRD-2017-G24/STW/受控文件/分析设计/需求工程计划-初步/需求工程计划.pptx
@@ -143,6 +143,11 @@
       </a:defRPr>
     </a:lvl9pPr>
   </p:defaultTextStyle>
+  <p:extLst>
+    <p:ext uri="{EFAFB233-063F-42B5-8137-9DF3F51BA10A}">
+      <p15:sldGuideLst xmlns:p15="http://schemas.microsoft.com/office/powerpoint/2012/main"/>
+    </p:ext>
+  </p:extLst>
 </p:presentation>
 </file>
 
@@ -245,7 +250,7 @@
           <a:effectLst/>
           <a:extLst>
             <a:ext uri="{91240B29-F687-4f45-9708-019B960494DF}">
-              <a14:hiddenLine xmlns:a14="http://schemas.microsoft.com/office/drawing/2010/main" xmlns="" w="9525">
+              <a14:hiddenLine xmlns="" xmlns:a14="http://schemas.microsoft.com/office/drawing/2010/main" w="9525">
                 <a:solidFill>
                   <a:srgbClr val="000000"/>
                 </a:solidFill>
@@ -1767,7 +1772,7 @@
           <a:ln/>
           <a:extLst>
             <a:ext uri="{91240B29-F687-4f45-9708-019B960494DF}">
-              <a14:hiddenLine xmlns:a14="http://schemas.microsoft.com/office/drawing/2010/main" xmlns="" w="9525">
+              <a14:hiddenLine xmlns="" xmlns:a14="http://schemas.microsoft.com/office/drawing/2010/main" w="9525">
                 <a:solidFill>
                   <a:srgbClr val="000000"/>
                 </a:solidFill>
@@ -2042,7 +2047,7 @@
           <a:ln/>
           <a:extLst>
             <a:ext uri="{91240B29-F687-4f45-9708-019B960494DF}">
-              <a14:hiddenLine xmlns:a14="http://schemas.microsoft.com/office/drawing/2010/main" xmlns="" w="9525">
+              <a14:hiddenLine xmlns="" xmlns:a14="http://schemas.microsoft.com/office/drawing/2010/main" w="9525">
                 <a:solidFill>
                   <a:srgbClr val="000000"/>
                 </a:solidFill>
@@ -2325,7 +2330,7 @@
           <a:ln/>
           <a:extLst>
             <a:ext uri="{91240B29-F687-4f45-9708-019B960494DF}">
-              <a14:hiddenLine xmlns:a14="http://schemas.microsoft.com/office/drawing/2010/main" xmlns="" w="9525">
+              <a14:hiddenLine xmlns="" xmlns:a14="http://schemas.microsoft.com/office/drawing/2010/main" w="9525">
                 <a:solidFill>
                   <a:srgbClr val="000000"/>
                 </a:solidFill>
@@ -2951,7 +2956,7 @@
           <a:ln/>
           <a:extLst>
             <a:ext uri="{91240B29-F687-4f45-9708-019B960494DF}">
-              <a14:hiddenLine xmlns:a14="http://schemas.microsoft.com/office/drawing/2010/main" xmlns="" w="9525">
+              <a14:hiddenLine xmlns="" xmlns:a14="http://schemas.microsoft.com/office/drawing/2010/main" w="9525">
                 <a:solidFill>
                   <a:srgbClr val="000000"/>
                 </a:solidFill>
@@ -3290,7 +3295,7 @@
           <a:ln/>
           <a:extLst>
             <a:ext uri="{91240B29-F687-4f45-9708-019B960494DF}">
-              <a14:hiddenLine xmlns:a14="http://schemas.microsoft.com/office/drawing/2010/main" xmlns="" w="9525">
+              <a14:hiddenLine xmlns="" xmlns:a14="http://schemas.microsoft.com/office/drawing/2010/main" w="9525">
                 <a:solidFill>
                   <a:srgbClr val="000000"/>
                 </a:solidFill>
@@ -3767,7 +3772,7 @@
           <a:ln/>
           <a:extLst>
             <a:ext uri="{91240B29-F687-4f45-9708-019B960494DF}">
-              <a14:hiddenLine xmlns:a14="http://schemas.microsoft.com/office/drawing/2010/main" xmlns="" w="9525">
+              <a14:hiddenLine xmlns="" xmlns:a14="http://schemas.microsoft.com/office/drawing/2010/main" w="9525">
                 <a:solidFill>
                   <a:srgbClr val="000000"/>
                 </a:solidFill>
@@ -4196,7 +4201,7 @@
           <a:ln/>
           <a:extLst>
             <a:ext uri="{91240B29-F687-4f45-9708-019B960494DF}">
-              <a14:hiddenLine xmlns:a14="http://schemas.microsoft.com/office/drawing/2010/main" xmlns="" w="9525">
+              <a14:hiddenLine xmlns="" xmlns:a14="http://schemas.microsoft.com/office/drawing/2010/main" w="9525">
                 <a:solidFill>
                   <a:srgbClr val="000000"/>
                 </a:solidFill>
@@ -6876,10 +6881,10 @@
       </p:sp>
       <p:graphicFrame>
         <p:nvGraphicFramePr>
-          <p:cNvPr id="4" name="内容占位符 3">
+          <p:cNvPr id="6" name="内容占位符 5">
             <a:extLst>
               <a:ext uri="{FF2B5EF4-FFF2-40B4-BE49-F238E27FC236}">
-                <a16:creationId xmlns:a16="http://schemas.microsoft.com/office/drawing/2014/main" id="{2EA93414-AF30-4B61-A3F7-26A75E78B761}"/>
+                <a16:creationId xmlns:a16="http://schemas.microsoft.com/office/drawing/2014/main" id="{1ACF8900-3057-48EB-8B0B-7685D9EBAA8E}"/>
               </a:ext>
             </a:extLst>
           </p:cNvPr>
@@ -6890,14 +6895,14 @@
             <p:ph idx="1"/>
             <p:extLst>
               <p:ext uri="{D42A27DB-BD31-4B8C-83A1-F6EECF244321}">
-                <p14:modId xmlns:p14="http://schemas.microsoft.com/office/powerpoint/2010/main" val="155634261"/>
+                <p14:modId xmlns:p14="http://schemas.microsoft.com/office/powerpoint/2010/main" val="553997170"/>
               </p:ext>
             </p:extLst>
           </p:nvPr>
         </p:nvGraphicFramePr>
         <p:xfrm>
-          <a:off x="653143" y="2258008"/>
-          <a:ext cx="11084767" cy="4161453"/>
+          <a:off x="681135" y="2304662"/>
+          <a:ext cx="10972801" cy="4385391"/>
         </p:xfrm>
         <a:graphic>
           <a:graphicData uri="http://schemas.openxmlformats.org/drawingml/2006/table">
@@ -6906,50 +6911,50 @@
                 <a:tableStyleId>{5C22544A-7EE6-4342-B048-85BDC9FD1C3A}</a:tableStyleId>
               </a:tblPr>
               <a:tblGrid>
-                <a:gridCol w="1019622">
+                <a:gridCol w="1106201">
                   <a:extLst>
                     <a:ext uri="{9D8B030D-6E8A-4147-A177-3AD203B41FA5}">
-                      <a16:colId xmlns:a16="http://schemas.microsoft.com/office/drawing/2014/main" val="2795773891"/>
+                      <a16:colId xmlns:a16="http://schemas.microsoft.com/office/drawing/2014/main" val="3299095697"/>
                     </a:ext>
                   </a:extLst>
                 </a:gridCol>
-                <a:gridCol w="1118296">
+                <a:gridCol w="1195411">
                   <a:extLst>
                     <a:ext uri="{9D8B030D-6E8A-4147-A177-3AD203B41FA5}">
-                      <a16:colId xmlns:a16="http://schemas.microsoft.com/office/drawing/2014/main" val="1611630483"/>
+                      <a16:colId xmlns:a16="http://schemas.microsoft.com/office/drawing/2014/main" val="462322703"/>
                     </a:ext>
                   </a:extLst>
                 </a:gridCol>
-                <a:gridCol w="2039245">
+                <a:gridCol w="2212402">
                   <a:extLst>
                     <a:ext uri="{9D8B030D-6E8A-4147-A177-3AD203B41FA5}">
-                      <a16:colId xmlns:a16="http://schemas.microsoft.com/office/drawing/2014/main" val="1314262874"/>
+                      <a16:colId xmlns:a16="http://schemas.microsoft.com/office/drawing/2014/main" val="377184862"/>
                     </a:ext>
                   </a:extLst>
                 </a:gridCol>
-                <a:gridCol w="1776116">
+                <a:gridCol w="1926931">
                   <a:extLst>
                     <a:ext uri="{9D8B030D-6E8A-4147-A177-3AD203B41FA5}">
-                      <a16:colId xmlns:a16="http://schemas.microsoft.com/office/drawing/2014/main" val="4105630530"/>
+                      <a16:colId xmlns:a16="http://schemas.microsoft.com/office/drawing/2014/main" val="2047655848"/>
                     </a:ext>
                   </a:extLst>
                 </a:gridCol>
-                <a:gridCol w="2401047">
+                <a:gridCol w="2604925">
                   <a:extLst>
                     <a:ext uri="{9D8B030D-6E8A-4147-A177-3AD203B41FA5}">
-                      <a16:colId xmlns:a16="http://schemas.microsoft.com/office/drawing/2014/main" val="208053806"/>
+                      <a16:colId xmlns:a16="http://schemas.microsoft.com/office/drawing/2014/main" val="2735916274"/>
                     </a:ext>
                   </a:extLst>
                 </a:gridCol>
-                <a:gridCol w="2730441">
+                <a:gridCol w="1926931">
                   <a:extLst>
                     <a:ext uri="{9D8B030D-6E8A-4147-A177-3AD203B41FA5}">
-                      <a16:colId xmlns:a16="http://schemas.microsoft.com/office/drawing/2014/main" val="2342643292"/>
+                      <a16:colId xmlns:a16="http://schemas.microsoft.com/office/drawing/2014/main" val="631475050"/>
                     </a:ext>
                   </a:extLst>
                 </a:gridCol>
               </a:tblGrid>
-              <a:tr h="575260">
+              <a:tr h="526471">
                 <a:tc>
                   <a:txBody>
                     <a:bodyPr/>
@@ -6957,9 +6962,19 @@
                     <a:p>
                       <a:pPr algn="just" fontAlgn="ctr"/>
                       <a:r>
-                        <a:rPr lang="zh-CN" altLang="en-US" sz="1400"/>
+                        <a:rPr lang="zh-CN" altLang="en-US" sz="1400" u="none" strike="noStrike">
+                          <a:effectLst/>
+                        </a:rPr>
                         <a:t>利益相关者</a:t>
                       </a:r>
+                      <a:endParaRPr lang="zh-CN" altLang="en-US" sz="1400" b="0" i="0" u="none" strike="noStrike">
+                        <a:solidFill>
+                          <a:srgbClr val="000000"/>
+                        </a:solidFill>
+                        <a:effectLst/>
+                        <a:latin typeface="宋体" panose="02010600030101010101" pitchFamily="2" charset="-122"/>
+                        <a:ea typeface="宋体" panose="02010600030101010101" pitchFamily="2" charset="-122"/>
+                      </a:endParaRPr>
                     </a:p>
                   </a:txBody>
                   <a:tcPr marL="7620" marR="7620" marT="7620" marB="0" anchor="ctr"/>
@@ -6971,9 +6986,19 @@
                     <a:p>
                       <a:pPr algn="just" fontAlgn="ctr"/>
                       <a:r>
-                        <a:rPr lang="zh-CN" altLang="en-US" sz="1400"/>
+                        <a:rPr lang="zh-CN" altLang="en-US" sz="1400" u="none" strike="noStrike">
+                          <a:effectLst/>
+                        </a:rPr>
                         <a:t>角色</a:t>
                       </a:r>
+                      <a:endParaRPr lang="zh-CN" altLang="en-US" sz="1400" b="0" i="0" u="none" strike="noStrike">
+                        <a:solidFill>
+                          <a:srgbClr val="000000"/>
+                        </a:solidFill>
+                        <a:effectLst/>
+                        <a:latin typeface="宋体" panose="02010600030101010101" pitchFamily="2" charset="-122"/>
+                        <a:ea typeface="宋体" panose="02010600030101010101" pitchFamily="2" charset="-122"/>
+                      </a:endParaRPr>
                     </a:p>
                   </a:txBody>
                   <a:tcPr marL="7620" marR="7620" marT="7620" marB="0" anchor="ctr"/>
@@ -6985,9 +7010,19 @@
                     <a:p>
                       <a:pPr algn="just" fontAlgn="ctr"/>
                       <a:r>
-                        <a:rPr lang="zh-CN" altLang="en-US" sz="1400"/>
+                        <a:rPr lang="zh-CN" altLang="en-US" sz="1400" u="none" strike="noStrike">
+                          <a:effectLst/>
+                        </a:rPr>
                         <a:t>微信</a:t>
                       </a:r>
+                      <a:endParaRPr lang="zh-CN" altLang="en-US" sz="1400" b="0" i="0" u="none" strike="noStrike">
+                        <a:solidFill>
+                          <a:srgbClr val="000000"/>
+                        </a:solidFill>
+                        <a:effectLst/>
+                        <a:latin typeface="宋体" panose="02010600030101010101" pitchFamily="2" charset="-122"/>
+                        <a:ea typeface="宋体" panose="02010600030101010101" pitchFamily="2" charset="-122"/>
+                      </a:endParaRPr>
                     </a:p>
                   </a:txBody>
                   <a:tcPr marL="7620" marR="7620" marT="7620" marB="0" anchor="ctr"/>
@@ -6999,9 +7034,19 @@
                     <a:p>
                       <a:pPr algn="just" fontAlgn="ctr"/>
                       <a:r>
-                        <a:rPr lang="zh-CN" altLang="en-US" sz="1400"/>
+                        <a:rPr lang="zh-CN" altLang="en-US" sz="1400" u="none" strike="noStrike">
+                          <a:effectLst/>
+                        </a:rPr>
                         <a:t>手机号</a:t>
                       </a:r>
+                      <a:endParaRPr lang="zh-CN" altLang="en-US" sz="1400" b="0" i="0" u="none" strike="noStrike">
+                        <a:solidFill>
+                          <a:srgbClr val="000000"/>
+                        </a:solidFill>
+                        <a:effectLst/>
+                        <a:latin typeface="宋体" panose="02010600030101010101" pitchFamily="2" charset="-122"/>
+                        <a:ea typeface="宋体" panose="02010600030101010101" pitchFamily="2" charset="-122"/>
+                      </a:endParaRPr>
                     </a:p>
                   </a:txBody>
                   <a:tcPr marL="7620" marR="7620" marT="7620" marB="0" anchor="ctr"/>
@@ -7013,9 +7058,19 @@
                     <a:p>
                       <a:pPr algn="just" fontAlgn="ctr"/>
                       <a:r>
-                        <a:rPr lang="zh-CN" altLang="en-US" sz="1400"/>
+                        <a:rPr lang="zh-CN" altLang="en-US" sz="1400" u="none" strike="noStrike">
+                          <a:effectLst/>
+                        </a:rPr>
                         <a:t>邮箱</a:t>
                       </a:r>
+                      <a:endParaRPr lang="zh-CN" altLang="en-US" sz="1400" b="0" i="0" u="none" strike="noStrike">
+                        <a:solidFill>
+                          <a:srgbClr val="000000"/>
+                        </a:solidFill>
+                        <a:effectLst/>
+                        <a:latin typeface="宋体" panose="02010600030101010101" pitchFamily="2" charset="-122"/>
+                        <a:ea typeface="宋体" panose="02010600030101010101" pitchFamily="2" charset="-122"/>
+                      </a:endParaRPr>
                     </a:p>
                   </a:txBody>
                   <a:tcPr marL="7620" marR="7620" marT="7620" marB="0" anchor="ctr"/>
@@ -7027,20 +7082,30 @@
                     <a:p>
                       <a:pPr algn="just" fontAlgn="ctr"/>
                       <a:r>
-                        <a:rPr lang="zh-CN" altLang="en-US" sz="1400"/>
+                        <a:rPr lang="zh-CN" altLang="en-US" sz="1400" u="none" strike="noStrike">
+                          <a:effectLst/>
+                        </a:rPr>
                         <a:t>办公地点</a:t>
                       </a:r>
+                      <a:endParaRPr lang="zh-CN" altLang="en-US" sz="1400" b="0" i="0" u="none" strike="noStrike">
+                        <a:solidFill>
+                          <a:srgbClr val="000000"/>
+                        </a:solidFill>
+                        <a:effectLst/>
+                        <a:latin typeface="宋体" panose="02010600030101010101" pitchFamily="2" charset="-122"/>
+                        <a:ea typeface="宋体" panose="02010600030101010101" pitchFamily="2" charset="-122"/>
+                      </a:endParaRPr>
                     </a:p>
                   </a:txBody>
                   <a:tcPr marL="7620" marR="7620" marT="7620" marB="0" anchor="ctr"/>
                 </a:tc>
                 <a:extLst>
                   <a:ext uri="{0D108BD9-81ED-4DB2-BD59-A6C34878D82A}">
-                    <a16:rowId xmlns:a16="http://schemas.microsoft.com/office/drawing/2014/main" val="3312696591"/>
+                    <a16:rowId xmlns:a16="http://schemas.microsoft.com/office/drawing/2014/main" val="1788142023"/>
                   </a:ext>
                 </a:extLst>
               </a:tr>
-              <a:tr h="966926">
+              <a:tr h="884919">
                 <a:tc>
                   <a:txBody>
                     <a:bodyPr/>
@@ -7048,9 +7113,19 @@
                     <a:p>
                       <a:pPr algn="just" fontAlgn="ctr"/>
                       <a:r>
-                        <a:rPr lang="zh-CN" altLang="en-US" sz="1400"/>
+                        <a:rPr lang="zh-CN" altLang="en-US" sz="1400" u="none" strike="noStrike">
+                          <a:effectLst/>
+                        </a:rPr>
                         <a:t>童威男</a:t>
                       </a:r>
+                      <a:endParaRPr lang="zh-CN" altLang="en-US" sz="1400" b="0" i="0" u="none" strike="noStrike">
+                        <a:solidFill>
+                          <a:srgbClr val="000000"/>
+                        </a:solidFill>
+                        <a:effectLst/>
+                        <a:latin typeface="宋体" panose="02010600030101010101" pitchFamily="2" charset="-122"/>
+                        <a:ea typeface="宋体" panose="02010600030101010101" pitchFamily="2" charset="-122"/>
+                      </a:endParaRPr>
                     </a:p>
                   </a:txBody>
                   <a:tcPr marL="7620" marR="7620" marT="7620" marB="0" anchor="ctr"/>
@@ -7062,9 +7137,19 @@
                     <a:p>
                       <a:pPr algn="just" fontAlgn="ctr"/>
                       <a:r>
-                        <a:rPr lang="zh-CN" altLang="en-US" sz="1400"/>
+                        <a:rPr lang="zh-CN" altLang="en-US" sz="1400" u="none" strike="noStrike">
+                          <a:effectLst/>
+                        </a:rPr>
                         <a:t>项目经理</a:t>
                       </a:r>
+                      <a:endParaRPr lang="zh-CN" altLang="en-US" sz="1400" b="0" i="0" u="none" strike="noStrike">
+                        <a:solidFill>
+                          <a:srgbClr val="000000"/>
+                        </a:solidFill>
+                        <a:effectLst/>
+                        <a:latin typeface="宋体" panose="02010600030101010101" pitchFamily="2" charset="-122"/>
+                        <a:ea typeface="宋体" panose="02010600030101010101" pitchFamily="2" charset="-122"/>
+                      </a:endParaRPr>
                     </a:p>
                   </a:txBody>
                   <a:tcPr marL="7620" marR="7620" marT="7620" marB="0" anchor="ctr"/>
@@ -7076,9 +7161,19 @@
                     <a:p>
                       <a:pPr algn="just" fontAlgn="ctr"/>
                       <a:r>
-                        <a:rPr lang="en-US" altLang="zh-CN" sz="1400"/>
+                        <a:rPr lang="en-US" altLang="zh-CN" sz="1400" u="none" strike="noStrike">
+                          <a:effectLst/>
+                        </a:rPr>
                         <a:t>13588224816</a:t>
                       </a:r>
+                      <a:endParaRPr lang="en-US" altLang="zh-CN" sz="1400" b="0" i="0" u="none" strike="noStrike">
+                        <a:solidFill>
+                          <a:srgbClr val="000000"/>
+                        </a:solidFill>
+                        <a:effectLst/>
+                        <a:latin typeface="Calibri" panose="020F0502020204030204" pitchFamily="34" charset="0"/>
+                        <a:ea typeface="等线" panose="02010600030101010101" pitchFamily="2" charset="-122"/>
+                      </a:endParaRPr>
                     </a:p>
                   </a:txBody>
                   <a:tcPr marL="7620" marR="7620" marT="7620" marB="0" anchor="ctr"/>
@@ -7090,9 +7185,19 @@
                     <a:p>
                       <a:pPr algn="just" fontAlgn="ctr"/>
                       <a:r>
-                        <a:rPr lang="en-US" altLang="zh-CN" sz="1400"/>
+                        <a:rPr lang="en-US" altLang="zh-CN" sz="1400" u="none" strike="noStrike">
+                          <a:effectLst/>
+                        </a:rPr>
                         <a:t>13588224816</a:t>
                       </a:r>
+                      <a:endParaRPr lang="en-US" altLang="zh-CN" sz="1400" b="0" i="0" u="none" strike="noStrike">
+                        <a:solidFill>
+                          <a:srgbClr val="000000"/>
+                        </a:solidFill>
+                        <a:effectLst/>
+                        <a:latin typeface="Calibri" panose="020F0502020204030204" pitchFamily="34" charset="0"/>
+                        <a:ea typeface="等线" panose="02010600030101010101" pitchFamily="2" charset="-122"/>
+                      </a:endParaRPr>
                     </a:p>
                   </a:txBody>
                   <a:tcPr marL="7620" marR="7620" marT="7620" marB="0" anchor="ctr"/>
@@ -7104,12 +7209,20 @@
                     <a:p>
                       <a:pPr algn="just" fontAlgn="ctr"/>
                       <a:r>
-                        <a:rPr lang="en-US" sz="1400">
+                        <a:rPr lang="en-US" sz="1600" u="sng" strike="noStrike">
+                          <a:effectLst/>
                           <a:hlinkClick r:id="rId2"/>
                         </a:rPr>
                         <a:t>31401377@stu.zucc.edu.cn</a:t>
                       </a:r>
-                      <a:endParaRPr lang="en-US" sz="1400"/>
+                      <a:endParaRPr lang="en-US" sz="1600" b="0" i="0" u="sng" strike="noStrike">
+                        <a:solidFill>
+                          <a:srgbClr val="0563C1"/>
+                        </a:solidFill>
+                        <a:effectLst/>
+                        <a:latin typeface="等线" panose="02010600030101010101" pitchFamily="2" charset="-122"/>
+                        <a:ea typeface="等线" panose="02010600030101010101" pitchFamily="2" charset="-122"/>
+                      </a:endParaRPr>
                     </a:p>
                   </a:txBody>
                   <a:tcPr marL="7620" marR="7620" marT="7620" marB="0" anchor="ctr"/>
@@ -7121,20 +7234,30 @@
                     <a:p>
                       <a:pPr algn="just" fontAlgn="ctr"/>
                       <a:r>
-                        <a:rPr lang="zh-CN" altLang="en-US" sz="1400"/>
+                        <a:rPr lang="zh-CN" altLang="en-US" sz="1400" u="none" strike="noStrike">
+                          <a:effectLst/>
+                        </a:rPr>
                         <a:t>图书馆</a:t>
                       </a:r>
+                      <a:endParaRPr lang="zh-CN" altLang="en-US" sz="1400" b="0" i="0" u="none" strike="noStrike">
+                        <a:solidFill>
+                          <a:srgbClr val="000000"/>
+                        </a:solidFill>
+                        <a:effectLst/>
+                        <a:latin typeface="宋体" panose="02010600030101010101" pitchFamily="2" charset="-122"/>
+                        <a:ea typeface="宋体" panose="02010600030101010101" pitchFamily="2" charset="-122"/>
+                      </a:endParaRPr>
                     </a:p>
                   </a:txBody>
                   <a:tcPr marL="7620" marR="7620" marT="7620" marB="0" anchor="ctr"/>
                 </a:tc>
                 <a:extLst>
                   <a:ext uri="{0D108BD9-81ED-4DB2-BD59-A6C34878D82A}">
-                    <a16:rowId xmlns:a16="http://schemas.microsoft.com/office/drawing/2014/main" val="3737555708"/>
+                    <a16:rowId xmlns:a16="http://schemas.microsoft.com/office/drawing/2014/main" val="3605217346"/>
                   </a:ext>
                 </a:extLst>
               </a:tr>
-              <a:tr h="660936">
+              <a:tr h="604883">
                 <a:tc>
                   <a:txBody>
                     <a:bodyPr/>
@@ -7142,9 +7265,19 @@
                     <a:p>
                       <a:pPr algn="just" fontAlgn="ctr"/>
                       <a:r>
-                        <a:rPr lang="zh-CN" altLang="en-US" sz="1400"/>
+                        <a:rPr lang="zh-CN" altLang="en-US" sz="1400" u="none" strike="noStrike">
+                          <a:effectLst/>
+                        </a:rPr>
                         <a:t>黄栋材</a:t>
                       </a:r>
+                      <a:endParaRPr lang="zh-CN" altLang="en-US" sz="1400" b="0" i="0" u="none" strike="noStrike">
+                        <a:solidFill>
+                          <a:srgbClr val="000000"/>
+                        </a:solidFill>
+                        <a:effectLst/>
+                        <a:latin typeface="宋体" panose="02010600030101010101" pitchFamily="2" charset="-122"/>
+                        <a:ea typeface="宋体" panose="02010600030101010101" pitchFamily="2" charset="-122"/>
+                      </a:endParaRPr>
                     </a:p>
                   </a:txBody>
                   <a:tcPr marL="7620" marR="7620" marT="7620" marB="0" anchor="ctr"/>
@@ -7156,9 +7289,19 @@
                     <a:p>
                       <a:pPr algn="just" fontAlgn="ctr"/>
                       <a:r>
-                        <a:rPr lang="zh-CN" altLang="en-US" sz="1400"/>
+                        <a:rPr lang="zh-CN" altLang="en-US" sz="1400" u="none" strike="noStrike">
+                          <a:effectLst/>
+                        </a:rPr>
                         <a:t>开发人员</a:t>
                       </a:r>
+                      <a:endParaRPr lang="zh-CN" altLang="en-US" sz="1400" b="0" i="0" u="none" strike="noStrike">
+                        <a:solidFill>
+                          <a:srgbClr val="000000"/>
+                        </a:solidFill>
+                        <a:effectLst/>
+                        <a:latin typeface="宋体" panose="02010600030101010101" pitchFamily="2" charset="-122"/>
+                        <a:ea typeface="宋体" panose="02010600030101010101" pitchFamily="2" charset="-122"/>
+                      </a:endParaRPr>
                     </a:p>
                   </a:txBody>
                   <a:tcPr marL="7620" marR="7620" marT="7620" marB="0" anchor="ctr"/>
@@ -7170,9 +7313,19 @@
                     <a:p>
                       <a:pPr algn="just" fontAlgn="ctr"/>
                       <a:r>
-                        <a:rPr lang="en-US" sz="1400"/>
+                        <a:rPr lang="en-US" sz="1400" u="none" strike="noStrike">
+                          <a:effectLst/>
+                        </a:rPr>
                         <a:t>hdctcw</a:t>
                       </a:r>
+                      <a:endParaRPr lang="en-US" sz="1400" b="0" i="0" u="none" strike="noStrike">
+                        <a:solidFill>
+                          <a:srgbClr val="000000"/>
+                        </a:solidFill>
+                        <a:effectLst/>
+                        <a:latin typeface="Calibri" panose="020F0502020204030204" pitchFamily="34" charset="0"/>
+                        <a:ea typeface="等线" panose="02010600030101010101" pitchFamily="2" charset="-122"/>
+                      </a:endParaRPr>
                     </a:p>
                   </a:txBody>
                   <a:tcPr marL="7620" marR="7620" marT="7620" marB="0" anchor="ctr"/>
@@ -7184,9 +7337,19 @@
                     <a:p>
                       <a:pPr algn="just" fontAlgn="ctr"/>
                       <a:r>
-                        <a:rPr lang="en-US" altLang="zh-CN" sz="1400"/>
+                        <a:rPr lang="en-US" altLang="zh-CN" sz="1400" u="none" strike="noStrike">
+                          <a:effectLst/>
+                        </a:rPr>
                         <a:t>17774009207</a:t>
                       </a:r>
+                      <a:endParaRPr lang="en-US" altLang="zh-CN" sz="1400" b="0" i="0" u="none" strike="noStrike">
+                        <a:solidFill>
+                          <a:srgbClr val="000000"/>
+                        </a:solidFill>
+                        <a:effectLst/>
+                        <a:latin typeface="Calibri" panose="020F0502020204030204" pitchFamily="34" charset="0"/>
+                        <a:ea typeface="等线" panose="02010600030101010101" pitchFamily="2" charset="-122"/>
+                      </a:endParaRPr>
                     </a:p>
                   </a:txBody>
                   <a:tcPr marL="7620" marR="7620" marT="7620" marB="0" anchor="ctr"/>
@@ -7198,9 +7361,19 @@
                     <a:p>
                       <a:pPr algn="just" fontAlgn="ctr"/>
                       <a:r>
-                        <a:rPr lang="en-US" sz="1400"/>
+                        <a:rPr lang="en-US" sz="1400" u="none" strike="noStrike">
+                          <a:effectLst/>
+                        </a:rPr>
                         <a:t>31504051@stu.zucc.edu.cn</a:t>
                       </a:r>
+                      <a:endParaRPr lang="en-US" sz="1400" b="0" i="0" u="none" strike="noStrike">
+                        <a:solidFill>
+                          <a:srgbClr val="000000"/>
+                        </a:solidFill>
+                        <a:effectLst/>
+                        <a:latin typeface="Calibri" panose="020F0502020204030204" pitchFamily="34" charset="0"/>
+                        <a:ea typeface="等线" panose="02010600030101010101" pitchFamily="2" charset="-122"/>
+                      </a:endParaRPr>
                     </a:p>
                   </a:txBody>
                   <a:tcPr marL="7620" marR="7620" marT="7620" marB="0" anchor="ctr"/>
@@ -7212,20 +7385,30 @@
                     <a:p>
                       <a:pPr algn="just" fontAlgn="ctr"/>
                       <a:r>
-                        <a:rPr lang="zh-CN" altLang="en-US" sz="1400"/>
+                        <a:rPr lang="zh-CN" altLang="en-US" sz="1400" u="none" strike="noStrike">
+                          <a:effectLst/>
+                        </a:rPr>
                         <a:t>图书馆</a:t>
                       </a:r>
+                      <a:endParaRPr lang="zh-CN" altLang="en-US" sz="1400" b="0" i="0" u="none" strike="noStrike">
+                        <a:solidFill>
+                          <a:srgbClr val="000000"/>
+                        </a:solidFill>
+                        <a:effectLst/>
+                        <a:latin typeface="宋体" panose="02010600030101010101" pitchFamily="2" charset="-122"/>
+                        <a:ea typeface="宋体" panose="02010600030101010101" pitchFamily="2" charset="-122"/>
+                      </a:endParaRPr>
                     </a:p>
                   </a:txBody>
                   <a:tcPr marL="7620" marR="7620" marT="7620" marB="0" anchor="ctr"/>
                 </a:tc>
                 <a:extLst>
                   <a:ext uri="{0D108BD9-81ED-4DB2-BD59-A6C34878D82A}">
-                    <a16:rowId xmlns:a16="http://schemas.microsoft.com/office/drawing/2014/main" val="951708994"/>
+                    <a16:rowId xmlns:a16="http://schemas.microsoft.com/office/drawing/2014/main" val="2339091870"/>
                   </a:ext>
                 </a:extLst>
               </a:tr>
-              <a:tr h="648697">
+              <a:tr h="596480">
                 <a:tc>
                   <a:txBody>
                     <a:bodyPr/>
@@ -7233,9 +7416,19 @@
                     <a:p>
                       <a:pPr algn="just" fontAlgn="ctr"/>
                       <a:r>
-                        <a:rPr lang="zh-CN" altLang="en-US" sz="1400"/>
+                        <a:rPr lang="zh-CN" altLang="en-US" sz="1400" u="none" strike="noStrike">
+                          <a:effectLst/>
+                        </a:rPr>
                         <a:t>陈泓见</a:t>
                       </a:r>
+                      <a:endParaRPr lang="zh-CN" altLang="en-US" sz="1400" b="0" i="0" u="none" strike="noStrike">
+                        <a:solidFill>
+                          <a:srgbClr val="000000"/>
+                        </a:solidFill>
+                        <a:effectLst/>
+                        <a:latin typeface="宋体" panose="02010600030101010101" pitchFamily="2" charset="-122"/>
+                        <a:ea typeface="宋体" panose="02010600030101010101" pitchFamily="2" charset="-122"/>
+                      </a:endParaRPr>
                     </a:p>
                   </a:txBody>
                   <a:tcPr marL="7620" marR="7620" marT="7620" marB="0" anchor="ctr"/>
@@ -7247,9 +7440,19 @@
                     <a:p>
                       <a:pPr algn="just" fontAlgn="ctr"/>
                       <a:r>
-                        <a:rPr lang="zh-CN" altLang="en-US" sz="1400"/>
+                        <a:rPr lang="zh-CN" altLang="en-US" sz="1400" u="none" strike="noStrike">
+                          <a:effectLst/>
+                        </a:rPr>
                         <a:t>开发人员</a:t>
                       </a:r>
+                      <a:endParaRPr lang="zh-CN" altLang="en-US" sz="1400" b="0" i="0" u="none" strike="noStrike">
+                        <a:solidFill>
+                          <a:srgbClr val="000000"/>
+                        </a:solidFill>
+                        <a:effectLst/>
+                        <a:latin typeface="宋体" panose="02010600030101010101" pitchFamily="2" charset="-122"/>
+                        <a:ea typeface="宋体" panose="02010600030101010101" pitchFamily="2" charset="-122"/>
+                      </a:endParaRPr>
                     </a:p>
                   </a:txBody>
                   <a:tcPr marL="7620" marR="7620" marT="7620" marB="0" anchor="ctr"/>
@@ -7261,9 +7464,19 @@
                     <a:p>
                       <a:pPr algn="just" fontAlgn="ctr"/>
                       <a:r>
-                        <a:rPr lang="en-US" sz="1400"/>
+                        <a:rPr lang="en-US" sz="1400" u="none" strike="noStrike">
+                          <a:effectLst/>
+                        </a:rPr>
                         <a:t>gfx_1997</a:t>
                       </a:r>
+                      <a:endParaRPr lang="en-US" sz="1400" b="0" i="0" u="none" strike="noStrike">
+                        <a:solidFill>
+                          <a:srgbClr val="000000"/>
+                        </a:solidFill>
+                        <a:effectLst/>
+                        <a:latin typeface="Calibri" panose="020F0502020204030204" pitchFamily="34" charset="0"/>
+                        <a:ea typeface="等线" panose="02010600030101010101" pitchFamily="2" charset="-122"/>
+                      </a:endParaRPr>
                     </a:p>
                   </a:txBody>
                   <a:tcPr marL="7620" marR="7620" marT="7620" marB="0" anchor="ctr"/>
@@ -7275,9 +7488,19 @@
                     <a:p>
                       <a:pPr algn="just" fontAlgn="ctr"/>
                       <a:r>
-                        <a:rPr lang="en-US" altLang="zh-CN" sz="1400"/>
+                        <a:rPr lang="en-US" altLang="zh-CN" sz="1400" u="none" strike="noStrike">
+                          <a:effectLst/>
+                        </a:rPr>
                         <a:t>15858262015</a:t>
                       </a:r>
+                      <a:endParaRPr lang="en-US" altLang="zh-CN" sz="1400" b="0" i="0" u="none" strike="noStrike">
+                        <a:solidFill>
+                          <a:srgbClr val="000000"/>
+                        </a:solidFill>
+                        <a:effectLst/>
+                        <a:latin typeface="Calibri" panose="020F0502020204030204" pitchFamily="34" charset="0"/>
+                        <a:ea typeface="等线" panose="02010600030101010101" pitchFamily="2" charset="-122"/>
+                      </a:endParaRPr>
                     </a:p>
                   </a:txBody>
                   <a:tcPr marL="7620" marR="7620" marT="7620" marB="0" anchor="ctr"/>
@@ -7289,9 +7512,19 @@
                     <a:p>
                       <a:pPr algn="just" fontAlgn="ctr"/>
                       <a:r>
-                        <a:rPr lang="en-US" sz="1400"/>
+                        <a:rPr lang="en-US" sz="1400" u="none" strike="noStrike">
+                          <a:effectLst/>
+                        </a:rPr>
                         <a:t>31501362@stu.zucc.edu.cn</a:t>
                       </a:r>
+                      <a:endParaRPr lang="en-US" sz="1400" b="0" i="0" u="none" strike="noStrike">
+                        <a:solidFill>
+                          <a:srgbClr val="000000"/>
+                        </a:solidFill>
+                        <a:effectLst/>
+                        <a:latin typeface="Calibri" panose="020F0502020204030204" pitchFamily="34" charset="0"/>
+                        <a:ea typeface="等线" panose="02010600030101010101" pitchFamily="2" charset="-122"/>
+                      </a:endParaRPr>
                     </a:p>
                   </a:txBody>
                   <a:tcPr marL="7620" marR="7620" marT="7620" marB="0" anchor="ctr"/>
@@ -7303,20 +7536,30 @@
                     <a:p>
                       <a:pPr algn="just" fontAlgn="ctr"/>
                       <a:r>
-                        <a:rPr lang="zh-CN" altLang="en-US" sz="1400"/>
+                        <a:rPr lang="zh-CN" altLang="en-US" sz="1400" u="none" strike="noStrike">
+                          <a:effectLst/>
+                        </a:rPr>
                         <a:t>图书馆</a:t>
                       </a:r>
+                      <a:endParaRPr lang="zh-CN" altLang="en-US" sz="1400" b="0" i="0" u="none" strike="noStrike">
+                        <a:solidFill>
+                          <a:srgbClr val="000000"/>
+                        </a:solidFill>
+                        <a:effectLst/>
+                        <a:latin typeface="宋体" panose="02010600030101010101" pitchFamily="2" charset="-122"/>
+                        <a:ea typeface="宋体" panose="02010600030101010101" pitchFamily="2" charset="-122"/>
+                      </a:endParaRPr>
                     </a:p>
                   </a:txBody>
                   <a:tcPr marL="7620" marR="7620" marT="7620" marB="0" anchor="ctr"/>
                 </a:tc>
                 <a:extLst>
                   <a:ext uri="{0D108BD9-81ED-4DB2-BD59-A6C34878D82A}">
-                    <a16:rowId xmlns:a16="http://schemas.microsoft.com/office/drawing/2014/main" val="2851607043"/>
+                    <a16:rowId xmlns:a16="http://schemas.microsoft.com/office/drawing/2014/main" val="1998912847"/>
                   </a:ext>
                 </a:extLst>
               </a:tr>
-              <a:tr h="673176">
+              <a:tr h="616083">
                 <a:tc>
                   <a:txBody>
                     <a:bodyPr/>
@@ -7324,9 +7567,19 @@
                     <a:p>
                       <a:pPr algn="just" fontAlgn="ctr"/>
                       <a:r>
-                        <a:rPr lang="zh-CN" altLang="en-US" sz="1400"/>
+                        <a:rPr lang="zh-CN" altLang="en-US" sz="1400" u="none" strike="noStrike">
+                          <a:effectLst/>
+                        </a:rPr>
                         <a:t>冯涛</a:t>
                       </a:r>
+                      <a:endParaRPr lang="zh-CN" altLang="en-US" sz="1400" b="0" i="0" u="none" strike="noStrike">
+                        <a:solidFill>
+                          <a:srgbClr val="000000"/>
+                        </a:solidFill>
+                        <a:effectLst/>
+                        <a:latin typeface="宋体" panose="02010600030101010101" pitchFamily="2" charset="-122"/>
+                        <a:ea typeface="宋体" panose="02010600030101010101" pitchFamily="2" charset="-122"/>
+                      </a:endParaRPr>
                     </a:p>
                   </a:txBody>
                   <a:tcPr marL="7620" marR="7620" marT="7620" marB="0" anchor="ctr"/>
@@ -7338,9 +7591,19 @@
                     <a:p>
                       <a:pPr algn="just" fontAlgn="ctr"/>
                       <a:r>
-                        <a:rPr lang="zh-CN" altLang="en-US" sz="1400"/>
+                        <a:rPr lang="zh-CN" altLang="en-US" sz="1400" u="none" strike="noStrike">
+                          <a:effectLst/>
+                        </a:rPr>
                         <a:t>开发人员</a:t>
                       </a:r>
+                      <a:endParaRPr lang="zh-CN" altLang="en-US" sz="1400" b="0" i="0" u="none" strike="noStrike">
+                        <a:solidFill>
+                          <a:srgbClr val="000000"/>
+                        </a:solidFill>
+                        <a:effectLst/>
+                        <a:latin typeface="宋体" panose="02010600030101010101" pitchFamily="2" charset="-122"/>
+                        <a:ea typeface="宋体" panose="02010600030101010101" pitchFamily="2" charset="-122"/>
+                      </a:endParaRPr>
                     </a:p>
                   </a:txBody>
                   <a:tcPr marL="7620" marR="7620" marT="7620" marB="0" anchor="ctr"/>
@@ -7352,9 +7615,19 @@
                     <a:p>
                       <a:pPr algn="just" fontAlgn="ctr"/>
                       <a:r>
-                        <a:rPr lang="en-US" altLang="zh-CN" sz="1400"/>
+                        <a:rPr lang="en-US" altLang="zh-CN" sz="1400" u="none" strike="noStrike">
+                          <a:effectLst/>
+                        </a:rPr>
                         <a:t>15381123839</a:t>
                       </a:r>
+                      <a:endParaRPr lang="en-US" altLang="zh-CN" sz="1400" b="0" i="0" u="none" strike="noStrike">
+                        <a:solidFill>
+                          <a:srgbClr val="000000"/>
+                        </a:solidFill>
+                        <a:effectLst/>
+                        <a:latin typeface="Calibri" panose="020F0502020204030204" pitchFamily="34" charset="0"/>
+                        <a:ea typeface="等线" panose="02010600030101010101" pitchFamily="2" charset="-122"/>
+                      </a:endParaRPr>
                     </a:p>
                   </a:txBody>
                   <a:tcPr marL="7620" marR="7620" marT="7620" marB="0" anchor="ctr"/>
@@ -7366,9 +7639,19 @@
                     <a:p>
                       <a:pPr algn="just" fontAlgn="ctr"/>
                       <a:r>
-                        <a:rPr lang="en-US" altLang="zh-CN" sz="1400"/>
+                        <a:rPr lang="en-US" altLang="zh-CN" sz="1400" u="none" strike="noStrike">
+                          <a:effectLst/>
+                        </a:rPr>
                         <a:t>15381123839</a:t>
                       </a:r>
+                      <a:endParaRPr lang="en-US" altLang="zh-CN" sz="1400" b="0" i="0" u="none" strike="noStrike">
+                        <a:solidFill>
+                          <a:srgbClr val="000000"/>
+                        </a:solidFill>
+                        <a:effectLst/>
+                        <a:latin typeface="Calibri" panose="020F0502020204030204" pitchFamily="34" charset="0"/>
+                        <a:ea typeface="等线" panose="02010600030101010101" pitchFamily="2" charset="-122"/>
+                      </a:endParaRPr>
                     </a:p>
                   </a:txBody>
                   <a:tcPr marL="7620" marR="7620" marT="7620" marB="0" anchor="ctr"/>
@@ -7380,9 +7663,19 @@
                     <a:p>
                       <a:pPr algn="just" fontAlgn="ctr"/>
                       <a:r>
-                        <a:rPr lang="en-US" sz="1400"/>
+                        <a:rPr lang="en-US" sz="1400" u="none" strike="noStrike">
+                          <a:effectLst/>
+                        </a:rPr>
                         <a:t>31401401@stu.zucc.edu.cn</a:t>
                       </a:r>
+                      <a:endParaRPr lang="en-US" sz="1400" b="0" i="0" u="none" strike="noStrike">
+                        <a:solidFill>
+                          <a:srgbClr val="000000"/>
+                        </a:solidFill>
+                        <a:effectLst/>
+                        <a:latin typeface="Calibri" panose="020F0502020204030204" pitchFamily="34" charset="0"/>
+                        <a:ea typeface="等线" panose="02010600030101010101" pitchFamily="2" charset="-122"/>
+                      </a:endParaRPr>
                     </a:p>
                   </a:txBody>
                   <a:tcPr marL="7620" marR="7620" marT="7620" marB="0" anchor="ctr"/>
@@ -7394,20 +7687,30 @@
                     <a:p>
                       <a:pPr algn="just" fontAlgn="ctr"/>
                       <a:r>
-                        <a:rPr lang="zh-CN" altLang="en-US" sz="1400"/>
+                        <a:rPr lang="zh-CN" altLang="en-US" sz="1400" u="none" strike="noStrike">
+                          <a:effectLst/>
+                        </a:rPr>
                         <a:t>图书馆</a:t>
                       </a:r>
+                      <a:endParaRPr lang="zh-CN" altLang="en-US" sz="1400" b="0" i="0" u="none" strike="noStrike">
+                        <a:solidFill>
+                          <a:srgbClr val="000000"/>
+                        </a:solidFill>
+                        <a:effectLst/>
+                        <a:latin typeface="宋体" panose="02010600030101010101" pitchFamily="2" charset="-122"/>
+                        <a:ea typeface="宋体" panose="02010600030101010101" pitchFamily="2" charset="-122"/>
+                      </a:endParaRPr>
                     </a:p>
                   </a:txBody>
                   <a:tcPr marL="7620" marR="7620" marT="7620" marB="0" anchor="ctr"/>
                 </a:tc>
                 <a:extLst>
                   <a:ext uri="{0D108BD9-81ED-4DB2-BD59-A6C34878D82A}">
-                    <a16:rowId xmlns:a16="http://schemas.microsoft.com/office/drawing/2014/main" val="1234831747"/>
+                    <a16:rowId xmlns:a16="http://schemas.microsoft.com/office/drawing/2014/main" val="2758141364"/>
                   </a:ext>
                 </a:extLst>
               </a:tr>
-              <a:tr h="636458">
+              <a:tr h="582479">
                 <a:tc>
                   <a:txBody>
                     <a:bodyPr/>
@@ -7415,9 +7718,19 @@
                     <a:p>
                       <a:pPr algn="just" fontAlgn="ctr"/>
                       <a:r>
-                        <a:rPr lang="zh-CN" altLang="en-US" sz="1400"/>
+                        <a:rPr lang="zh-CN" altLang="en-US" sz="1400" u="none" strike="noStrike">
+                          <a:effectLst/>
+                        </a:rPr>
                         <a:t>徐鹏</a:t>
                       </a:r>
+                      <a:endParaRPr lang="zh-CN" altLang="en-US" sz="1400" b="0" i="0" u="none" strike="noStrike">
+                        <a:solidFill>
+                          <a:srgbClr val="000000"/>
+                        </a:solidFill>
+                        <a:effectLst/>
+                        <a:latin typeface="宋体" panose="02010600030101010101" pitchFamily="2" charset="-122"/>
+                        <a:ea typeface="宋体" panose="02010600030101010101" pitchFamily="2" charset="-122"/>
+                      </a:endParaRPr>
                     </a:p>
                   </a:txBody>
                   <a:tcPr marL="7620" marR="7620" marT="7620" marB="0" anchor="ctr"/>
@@ -7429,9 +7742,19 @@
                     <a:p>
                       <a:pPr algn="just" fontAlgn="ctr"/>
                       <a:r>
-                        <a:rPr lang="zh-CN" altLang="en-US" sz="1400"/>
+                        <a:rPr lang="zh-CN" altLang="en-US" sz="1400" u="none" strike="noStrike">
+                          <a:effectLst/>
+                        </a:rPr>
                         <a:t>开发人员</a:t>
                       </a:r>
+                      <a:endParaRPr lang="zh-CN" altLang="en-US" sz="1400" b="0" i="0" u="none" strike="noStrike">
+                        <a:solidFill>
+                          <a:srgbClr val="000000"/>
+                        </a:solidFill>
+                        <a:effectLst/>
+                        <a:latin typeface="宋体" panose="02010600030101010101" pitchFamily="2" charset="-122"/>
+                        <a:ea typeface="宋体" panose="02010600030101010101" pitchFamily="2" charset="-122"/>
+                      </a:endParaRPr>
                     </a:p>
                   </a:txBody>
                   <a:tcPr marL="7620" marR="7620" marT="7620" marB="0" anchor="ctr"/>
@@ -7443,9 +7766,19 @@
                     <a:p>
                       <a:pPr algn="just" fontAlgn="ctr"/>
                       <a:r>
-                        <a:rPr lang="en-US" sz="1400"/>
+                        <a:rPr lang="en-US" sz="1400" u="none" strike="noStrike">
+                          <a:effectLst/>
+                        </a:rPr>
                         <a:t>wxid_gr1jikiuk8di22</a:t>
                       </a:r>
+                      <a:endParaRPr lang="en-US" sz="1400" b="0" i="0" u="none" strike="noStrike">
+                        <a:solidFill>
+                          <a:srgbClr val="000000"/>
+                        </a:solidFill>
+                        <a:effectLst/>
+                        <a:latin typeface="Calibri" panose="020F0502020204030204" pitchFamily="34" charset="0"/>
+                        <a:ea typeface="等线" panose="02010600030101010101" pitchFamily="2" charset="-122"/>
+                      </a:endParaRPr>
                     </a:p>
                   </a:txBody>
                   <a:tcPr marL="7620" marR="7620" marT="7620" marB="0" anchor="ctr"/>
@@ -7457,9 +7790,19 @@
                     <a:p>
                       <a:pPr algn="just" fontAlgn="ctr"/>
                       <a:r>
-                        <a:rPr lang="en-US" altLang="zh-CN" sz="1400"/>
+                        <a:rPr lang="en-US" altLang="zh-CN" sz="1400" u="none" strike="noStrike">
+                          <a:effectLst/>
+                        </a:rPr>
                         <a:t>15578223672</a:t>
                       </a:r>
+                      <a:endParaRPr lang="en-US" altLang="zh-CN" sz="1400" b="0" i="0" u="none" strike="noStrike">
+                        <a:solidFill>
+                          <a:srgbClr val="000000"/>
+                        </a:solidFill>
+                        <a:effectLst/>
+                        <a:latin typeface="Calibri" panose="020F0502020204030204" pitchFamily="34" charset="0"/>
+                        <a:ea typeface="等线" panose="02010600030101010101" pitchFamily="2" charset="-122"/>
+                      </a:endParaRPr>
                     </a:p>
                   </a:txBody>
                   <a:tcPr marL="7620" marR="7620" marT="7620" marB="0" anchor="ctr"/>
@@ -7471,9 +7814,19 @@
                     <a:p>
                       <a:pPr algn="just" fontAlgn="ctr"/>
                       <a:r>
-                        <a:rPr lang="en-US" sz="1400"/>
+                        <a:rPr lang="en-US" sz="1400" u="none" strike="noStrike">
+                          <a:effectLst/>
+                        </a:rPr>
                         <a:t>31501346@stu.zucc.edu.cn</a:t>
                       </a:r>
+                      <a:endParaRPr lang="en-US" sz="1400" b="0" i="0" u="none" strike="noStrike">
+                        <a:solidFill>
+                          <a:srgbClr val="000000"/>
+                        </a:solidFill>
+                        <a:effectLst/>
+                        <a:latin typeface="Calibri" panose="020F0502020204030204" pitchFamily="34" charset="0"/>
+                        <a:ea typeface="等线" panose="02010600030101010101" pitchFamily="2" charset="-122"/>
+                      </a:endParaRPr>
                     </a:p>
                   </a:txBody>
                   <a:tcPr marL="7620" marR="7620" marT="7620" marB="0" anchor="ctr"/>
@@ -7485,16 +7838,183 @@
                     <a:p>
                       <a:pPr algn="just" fontAlgn="ctr"/>
                       <a:r>
-                        <a:rPr lang="zh-CN" altLang="en-US" sz="1400" dirty="0"/>
+                        <a:rPr lang="zh-CN" altLang="en-US" sz="1400" u="none" strike="noStrike">
+                          <a:effectLst/>
+                        </a:rPr>
                         <a:t>图书馆</a:t>
                       </a:r>
+                      <a:endParaRPr lang="zh-CN" altLang="en-US" sz="1400" b="0" i="0" u="none" strike="noStrike">
+                        <a:solidFill>
+                          <a:srgbClr val="000000"/>
+                        </a:solidFill>
+                        <a:effectLst/>
+                        <a:latin typeface="宋体" panose="02010600030101010101" pitchFamily="2" charset="-122"/>
+                        <a:ea typeface="宋体" panose="02010600030101010101" pitchFamily="2" charset="-122"/>
+                      </a:endParaRPr>
                     </a:p>
                   </a:txBody>
                   <a:tcPr marL="7620" marR="7620" marT="7620" marB="0" anchor="ctr"/>
                 </a:tc>
                 <a:extLst>
                   <a:ext uri="{0D108BD9-81ED-4DB2-BD59-A6C34878D82A}">
-                    <a16:rowId xmlns:a16="http://schemas.microsoft.com/office/drawing/2014/main" val="2346663582"/>
+                    <a16:rowId xmlns:a16="http://schemas.microsoft.com/office/drawing/2014/main" val="2235416690"/>
+                  </a:ext>
+                </a:extLst>
+              </a:tr>
+              <a:tr h="574076">
+                <a:tc>
+                  <a:txBody>
+                    <a:bodyPr/>
+                    <a:lstStyle/>
+                    <a:p>
+                      <a:pPr algn="just" fontAlgn="ctr"/>
+                      <a:r>
+                        <a:rPr lang="zh-CN" altLang="en-US" sz="1400" u="none" strike="noStrike">
+                          <a:effectLst/>
+                        </a:rPr>
+                        <a:t>杨枨</a:t>
+                      </a:r>
+                      <a:endParaRPr lang="zh-CN" altLang="en-US" sz="1400" b="0" i="0" u="none" strike="noStrike">
+                        <a:solidFill>
+                          <a:srgbClr val="000000"/>
+                        </a:solidFill>
+                        <a:effectLst/>
+                        <a:latin typeface="宋体" panose="02010600030101010101" pitchFamily="2" charset="-122"/>
+                        <a:ea typeface="宋体" panose="02010600030101010101" pitchFamily="2" charset="-122"/>
+                      </a:endParaRPr>
+                    </a:p>
+                  </a:txBody>
+                  <a:tcPr marL="7620" marR="7620" marT="7620" marB="0" anchor="ctr"/>
+                </a:tc>
+                <a:tc>
+                  <a:txBody>
+                    <a:bodyPr/>
+                    <a:lstStyle/>
+                    <a:p>
+                      <a:pPr algn="just" fontAlgn="ctr"/>
+                      <a:r>
+                        <a:rPr lang="zh-CN" altLang="en-US" sz="1400" u="none" strike="noStrike">
+                          <a:effectLst/>
+                        </a:rPr>
+                        <a:t>项目下达者</a:t>
+                      </a:r>
+                      <a:endParaRPr lang="zh-CN" altLang="en-US" sz="1400" b="0" i="0" u="none" strike="noStrike">
+                        <a:solidFill>
+                          <a:srgbClr val="000000"/>
+                        </a:solidFill>
+                        <a:effectLst/>
+                        <a:latin typeface="宋体" panose="02010600030101010101" pitchFamily="2" charset="-122"/>
+                        <a:ea typeface="宋体" panose="02010600030101010101" pitchFamily="2" charset="-122"/>
+                      </a:endParaRPr>
+                    </a:p>
+                  </a:txBody>
+                  <a:tcPr marL="7620" marR="7620" marT="7620" marB="0" anchor="ctr"/>
+                </a:tc>
+                <a:tc>
+                  <a:txBody>
+                    <a:bodyPr/>
+                    <a:lstStyle/>
+                    <a:p>
+                      <a:pPr algn="just" fontAlgn="ctr"/>
+                      <a:r>
+                        <a:rPr lang="en-US" sz="1400" u="none" strike="noStrike">
+                          <a:effectLst/>
+                        </a:rPr>
+                        <a:t>HolleyYang</a:t>
+                      </a:r>
+                      <a:endParaRPr lang="en-US" sz="1400" b="0" i="0" u="none" strike="noStrike">
+                        <a:solidFill>
+                          <a:srgbClr val="000000"/>
+                        </a:solidFill>
+                        <a:effectLst/>
+                        <a:latin typeface="Calibri" panose="020F0502020204030204" pitchFamily="34" charset="0"/>
+                        <a:ea typeface="等线" panose="02010600030101010101" pitchFamily="2" charset="-122"/>
+                      </a:endParaRPr>
+                    </a:p>
+                  </a:txBody>
+                  <a:tcPr marL="7620" marR="7620" marT="7620" marB="0" anchor="ctr"/>
+                </a:tc>
+                <a:tc>
+                  <a:txBody>
+                    <a:bodyPr/>
+                    <a:lstStyle/>
+                    <a:p>
+                      <a:pPr algn="l" fontAlgn="ctr"/>
+                      <a:r>
+                        <a:rPr lang="en-US" altLang="zh-CN" sz="1200" u="none" strike="noStrike">
+                          <a:effectLst/>
+                        </a:rPr>
+                        <a:t>13357102333</a:t>
+                      </a:r>
+                      <a:endParaRPr lang="en-US" altLang="zh-CN" sz="1200" b="0" i="0" u="none" strike="noStrike">
+                        <a:solidFill>
+                          <a:srgbClr val="000000"/>
+                        </a:solidFill>
+                        <a:effectLst/>
+                        <a:latin typeface="Verdana" panose="020B0604030504040204" pitchFamily="34" charset="0"/>
+                        <a:ea typeface="等线" panose="02010600030101010101" pitchFamily="2" charset="-122"/>
+                      </a:endParaRPr>
+                    </a:p>
+                  </a:txBody>
+                  <a:tcPr marL="7620" marR="7620" marT="7620" marB="0" anchor="ctr"/>
+                </a:tc>
+                <a:tc>
+                  <a:txBody>
+                    <a:bodyPr/>
+                    <a:lstStyle/>
+                    <a:p>
+                      <a:pPr algn="l" fontAlgn="ctr"/>
+                      <a:r>
+                        <a:rPr lang="en-US" sz="1200" u="none" strike="noStrike">
+                          <a:effectLst/>
+                        </a:rPr>
+                        <a:t>yangc@zucc.edu.cn</a:t>
+                      </a:r>
+                      <a:endParaRPr lang="en-US" sz="1200" b="0" i="0" u="none" strike="noStrike">
+                        <a:solidFill>
+                          <a:srgbClr val="000000"/>
+                        </a:solidFill>
+                        <a:effectLst/>
+                        <a:latin typeface="Verdana" panose="020B0604030504040204" pitchFamily="34" charset="0"/>
+                        <a:ea typeface="等线" panose="02010600030101010101" pitchFamily="2" charset="-122"/>
+                      </a:endParaRPr>
+                    </a:p>
+                  </a:txBody>
+                  <a:tcPr marL="7620" marR="7620" marT="7620" marB="0" anchor="ctr"/>
+                </a:tc>
+                <a:tc>
+                  <a:txBody>
+                    <a:bodyPr/>
+                    <a:lstStyle/>
+                    <a:p>
+                      <a:pPr algn="l" fontAlgn="ctr"/>
+                      <a:r>
+                        <a:rPr lang="zh-CN" altLang="en-US" sz="1200" u="none" strike="noStrike" dirty="0">
+                          <a:effectLst/>
+                        </a:rPr>
+                        <a:t>理四</a:t>
+                      </a:r>
+                      <a:r>
+                        <a:rPr lang="en-US" altLang="zh-CN" sz="1200" u="none" strike="noStrike" dirty="0">
+                          <a:effectLst/>
+                        </a:rPr>
+                        <a:t>-504</a:t>
+                      </a:r>
+                      <a:endParaRPr lang="en-US" altLang="zh-CN" sz="1200" b="0" i="0" u="none" strike="noStrike" dirty="0">
+                        <a:solidFill>
+                          <a:srgbClr val="000000"/>
+                        </a:solidFill>
+                        <a:effectLst/>
+                        <a:latin typeface="Verdana" panose="020B0604030504040204" pitchFamily="34" charset="0"/>
+                        <a:ea typeface="等线" panose="02010600030101010101" pitchFamily="2" charset="-122"/>
+                      </a:endParaRPr>
+                    </a:p>
+                  </a:txBody>
+                  <a:tcPr marL="7620" marR="7620" marT="7620" marB="0" anchor="ctr"/>
+                </a:tc>
+                <a:extLst>
+                  <a:ext uri="{0D108BD9-81ED-4DB2-BD59-A6C34878D82A}">
+                    <a16:rowId xmlns:a16="http://schemas.microsoft.com/office/drawing/2014/main" val="3454840707"/>
                   </a:ext>
                 </a:extLst>
               </a:tr>
@@ -12612,7 +13132,7 @@
         </p:nvGraphicFramePr>
         <p:xfrm>
           <a:off x="4376057" y="219272"/>
-          <a:ext cx="7483150" cy="6433447"/>
+          <a:ext cx="7483150" cy="6570668"/>
         </p:xfrm>
         <a:graphic>
           <a:graphicData uri="http://schemas.openxmlformats.org/drawingml/2006/table">
@@ -16256,7 +16776,7 @@
           <a:p>
             <a:r>
               <a:rPr lang="zh-CN" altLang="en-US" dirty="0"/>
-              <a:t>参考</a:t>
+              <a:t>索引</a:t>
             </a:r>
           </a:p>
         </p:txBody>
@@ -16876,7 +17396,12 @@
             <p:ph idx="1"/>
           </p:nvPr>
         </p:nvSpPr>
-        <p:spPr/>
+        <p:spPr>
+          <a:xfrm>
+            <a:off x="810000" y="2502205"/>
+            <a:ext cx="10554574" cy="3636511"/>
+          </a:xfrm>
+        </p:spPr>
         <p:txBody>
           <a:bodyPr/>
           <a:lstStyle/>
@@ -16917,6 +17442,47 @@
               <a:rPr lang="zh-CN" altLang="en-US" sz="2400" u="sng" dirty="0"/>
               <a:t>计算机软件文档编制规范</a:t>
             </a:r>
+            <a:endParaRPr lang="en-US" altLang="zh-CN" sz="2400" u="sng" dirty="0"/>
+          </a:p>
+          <a:p>
+            <a:r>
+              <a:rPr lang="en-US" altLang="zh-CN" sz="2400" dirty="0"/>
+              <a:t>《</a:t>
+            </a:r>
+            <a:r>
+              <a:rPr lang="zh-CN" altLang="en-US" sz="2400" dirty="0"/>
+              <a:t>软件项目管理</a:t>
+            </a:r>
+            <a:r>
+              <a:rPr lang="en-US" altLang="zh-CN" sz="2400" dirty="0"/>
+              <a:t>》</a:t>
+            </a:r>
+            <a:r>
+              <a:rPr lang="zh-CN" altLang="en-US" sz="2400" dirty="0"/>
+              <a:t>第五版</a:t>
+            </a:r>
+            <a:endParaRPr lang="en-US" altLang="zh-CN" sz="2400" dirty="0"/>
+          </a:p>
+          <a:p>
+            <a:r>
+              <a:rPr lang="en-US" altLang="zh-CN" sz="2400" dirty="0"/>
+              <a:t>《</a:t>
+            </a:r>
+            <a:r>
+              <a:rPr lang="zh-CN" altLang="en-US" sz="2400" dirty="0"/>
+              <a:t>软件需求</a:t>
+            </a:r>
+            <a:r>
+              <a:rPr lang="en-US" altLang="zh-CN" sz="2400" dirty="0"/>
+              <a:t>》</a:t>
+            </a:r>
+            <a:r>
+              <a:rPr lang="zh-CN" altLang="en-US" sz="2400" dirty="0"/>
+              <a:t>第三版</a:t>
+            </a:r>
+          </a:p>
+          <a:p>
+            <a:endParaRPr lang="zh-CN" altLang="en-US" sz="2400" u="sng" dirty="0"/>
           </a:p>
           <a:p>
             <a:endParaRPr lang="zh-CN" altLang="en-US" dirty="0"/>
